--- a/PPT/plan_presentation.pptx
+++ b/PPT/plan_presentation.pptx
@@ -271,7 +271,7 @@
                 </a:solidFill>
               </a:rPr>
               <a:pPr/>
-              <a:t>2022-11-17</a:t>
+              <a:t>2022-11-23</a:t>
             </a:fld>
             <a:endParaRPr lang="ko-KR" altLang="en-US">
               <a:solidFill>
@@ -501,7 +501,7 @@
                 </a:solidFill>
               </a:rPr>
               <a:pPr/>
-              <a:t>2022-11-17</a:t>
+              <a:t>2022-11-23</a:t>
             </a:fld>
             <a:endParaRPr lang="ko-KR" altLang="en-US">
               <a:solidFill>
@@ -741,7 +741,7 @@
                 </a:solidFill>
               </a:rPr>
               <a:pPr/>
-              <a:t>2022-11-17</a:t>
+              <a:t>2022-11-23</a:t>
             </a:fld>
             <a:endParaRPr lang="ko-KR" altLang="en-US">
               <a:solidFill>
@@ -971,7 +971,7 @@
                 </a:solidFill>
               </a:rPr>
               <a:pPr/>
-              <a:t>2022-11-17</a:t>
+              <a:t>2022-11-23</a:t>
             </a:fld>
             <a:endParaRPr lang="ko-KR" altLang="en-US">
               <a:solidFill>
@@ -1278,7 +1278,7 @@
                 </a:solidFill>
               </a:rPr>
               <a:pPr/>
-              <a:t>2022-11-17</a:t>
+              <a:t>2022-11-23</a:t>
             </a:fld>
             <a:endParaRPr lang="ko-KR" altLang="en-US">
               <a:solidFill>
@@ -1575,7 +1575,7 @@
                 </a:solidFill>
               </a:rPr>
               <a:pPr/>
-              <a:t>2022-11-17</a:t>
+              <a:t>2022-11-23</a:t>
             </a:fld>
             <a:endParaRPr lang="ko-KR" altLang="en-US">
               <a:solidFill>
@@ -2019,7 +2019,7 @@
                 </a:solidFill>
               </a:rPr>
               <a:pPr/>
-              <a:t>2022-11-17</a:t>
+              <a:t>2022-11-23</a:t>
             </a:fld>
             <a:endParaRPr lang="ko-KR" altLang="en-US">
               <a:solidFill>
@@ -2192,7 +2192,7 @@
                 </a:solidFill>
               </a:rPr>
               <a:pPr/>
-              <a:t>2022-11-17</a:t>
+              <a:t>2022-11-23</a:t>
             </a:fld>
             <a:endParaRPr lang="ko-KR" altLang="en-US">
               <a:solidFill>
@@ -2337,7 +2337,7 @@
                 </a:solidFill>
               </a:rPr>
               <a:pPr/>
-              <a:t>2022-11-17</a:t>
+              <a:t>2022-11-23</a:t>
             </a:fld>
             <a:endParaRPr lang="ko-KR" altLang="en-US">
               <a:solidFill>
@@ -2680,7 +2680,7 @@
                 </a:solidFill>
               </a:rPr>
               <a:pPr/>
-              <a:t>2022-11-17</a:t>
+              <a:t>2022-11-23</a:t>
             </a:fld>
             <a:endParaRPr lang="ko-KR" altLang="en-US">
               <a:solidFill>
@@ -3000,7 +3000,7 @@
                 </a:solidFill>
               </a:rPr>
               <a:pPr/>
-              <a:t>2022-11-17</a:t>
+              <a:t>2022-11-23</a:t>
             </a:fld>
             <a:endParaRPr lang="ko-KR" altLang="en-US">
               <a:solidFill>
@@ -3273,7 +3273,7 @@
                 </a:solidFill>
               </a:rPr>
               <a:pPr/>
-              <a:t>2022-11-17</a:t>
+              <a:t>2022-11-23</a:t>
             </a:fld>
             <a:endParaRPr lang="ko-KR" altLang="en-US">
               <a:solidFill>
@@ -4322,7 +4322,7 @@
         <p:spPr>
           <a:xfrm>
             <a:off x="7046259" y="1323289"/>
-            <a:ext cx="4410635" cy="5078313"/>
+            <a:ext cx="4410635" cy="4801314"/>
           </a:xfrm>
           <a:prstGeom prst="rect">
             <a:avLst/>
@@ -4429,19 +4429,6 @@
                 </a:schemeClr>
               </a:solidFill>
             </a:endParaRPr>
-          </a:p>
-          <a:p>
-            <a:r>
-              <a:rPr lang="en-US" altLang="ko-KR" b="1" dirty="0">
-                <a:solidFill>
-                  <a:schemeClr val="tx1">
-                    <a:lumMod val="75000"/>
-                    <a:lumOff val="25000"/>
-                  </a:schemeClr>
-                </a:solidFill>
-              </a:rPr>
-              <a:t>- Data Leakage Rule</a:t>
-            </a:r>
           </a:p>
           <a:p>
             <a:endParaRPr lang="en-US" altLang="ko-KR" b="1" dirty="0">
@@ -6276,7 +6263,7 @@
                 <a:effectLst/>
                 <a:latin typeface="NotoSansKR"/>
               </a:rPr>
-              <a:t> Lower means higher credit card users</a:t>
+              <a:t> Lower values mean higher credit card user credibility</a:t>
             </a:r>
           </a:p>
           <a:p>
